--- a/Informes CCAA/PPT CCAA/Andalucía.pptx
+++ b/Informes CCAA/PPT CCAA/Andalucía.pptx
@@ -3225,7 +3225,7 @@
       </p:sp>
       <p:pic>
         <p:nvPicPr>
-          <p:cNvPr descr="C:\Users\fonta\OneDrive\Documentos\Informe-datos-FIS\Informes%20CCAA\PPT%20CCAA\Andalucía_files/figure-pptx/unnamed-chunk-6-1.svg" id="0" name="Picture 1"/>
+          <p:cNvPr descr="C:\Users\fonta\OneDrive\DOCUME~1\INFORM~1\INFORM~1\PPTCCA~1\ANDALU~1/figure-pptx/unnamed-chunk-6-1.svg" id="0" name="Picture 1"/>
           <p:cNvPicPr>
             <a:picLocks noGrp="1" noChangeAspect="1"/>
           </p:cNvPicPr>
@@ -3354,7 +3354,7 @@
       </p:sp>
       <p:pic>
         <p:nvPicPr>
-          <p:cNvPr descr="C:\Users\fonta\OneDrive\Documentos\Informe-datos-FIS\Informes%20CCAA\PPT%20CCAA\Andalucía_files/figure-pptx/unnamed-chunk-7-1.svg" id="0" name="Picture 1"/>
+          <p:cNvPr descr="C:\Users\fonta\OneDrive\DOCUME~1\INFORM~1\INFORM~1\PPTCCA~1\ANDALU~1/figure-pptx/unnamed-chunk-7-1.svg" id="0" name="Picture 1"/>
           <p:cNvPicPr>
             <a:picLocks noGrp="1" noChangeAspect="1"/>
           </p:cNvPicPr>
@@ -3431,7 +3431,7 @@
       </p:sp>
       <p:pic>
         <p:nvPicPr>
-          <p:cNvPr descr="C:\Users\fonta\OneDrive\Documentos\Informe-datos-FIS\Informes%20CCAA\PPT%20CCAA\Andalucía_files/figure-pptx/unnamed-chunk-8-1.svg" id="0" name="Picture 1"/>
+          <p:cNvPr descr="C:\Users\fonta\OneDrive\DOCUME~1\INFORM~1\INFORM~1\PPTCCA~1\ANDALU~1/figure-pptx/unnamed-chunk-8-1.svg" id="0" name="Picture 1"/>
           <p:cNvPicPr>
             <a:picLocks noGrp="1" noChangeAspect="1"/>
           </p:cNvPicPr>
@@ -3560,7 +3560,7 @@
       </p:sp>
       <p:pic>
         <p:nvPicPr>
-          <p:cNvPr descr="C:\Users\fonta\OneDrive\Documentos\Informe-datos-FIS\Informes%20CCAA\PPT%20CCAA\Andalucía_files/figure-pptx/unnamed-chunk-9-1.svg" id="0" name="Picture 1"/>
+          <p:cNvPr descr="C:\Users\fonta\OneDrive\DOCUME~1\INFORM~1\INFORM~1\PPTCCA~1\ANDALU~1/figure-pptx/unnamed-chunk-9-1.svg" id="0" name="Picture 1"/>
           <p:cNvPicPr>
             <a:picLocks noGrp="1" noChangeAspect="1"/>
           </p:cNvPicPr>
@@ -3637,7 +3637,7 @@
       </p:sp>
       <p:pic>
         <p:nvPicPr>
-          <p:cNvPr descr="C:\Users\fonta\OneDrive\Documentos\Informe-datos-FIS\Informes%20CCAA\PPT%20CCAA\Andalucía_files/figure-pptx/unnamed-chunk-10-1.svg" id="0" name="Picture 1"/>
+          <p:cNvPr descr="C:\Users\fonta\OneDrive\DOCUME~1\INFORM~1\INFORM~1\PPTCCA~1\ANDALU~1/figure-pptx/unnamed-chunk-10-1.svg" id="0" name="Picture 1"/>
           <p:cNvPicPr>
             <a:picLocks noGrp="1" noChangeAspect="1"/>
           </p:cNvPicPr>
@@ -3766,7 +3766,7 @@
       </p:sp>
       <p:pic>
         <p:nvPicPr>
-          <p:cNvPr descr="C:\Users\fonta\OneDrive\Documentos\Informe-datos-FIS\Informes%20CCAA\PPT%20CCAA\Andalucía_files/figure-pptx/unnamed-chunk-11-1.svg" id="0" name="Picture 1"/>
+          <p:cNvPr descr="C:\Users\fonta\OneDrive\DOCUME~1\INFORM~1\INFORM~1\PPTCCA~1\ANDALU~1/figure-pptx/unnamed-chunk-11-1.svg" id="0" name="Picture 1"/>
           <p:cNvPicPr>
             <a:picLocks noGrp="1" noChangeAspect="1"/>
           </p:cNvPicPr>
@@ -3843,7 +3843,7 @@
       </p:sp>
       <p:pic>
         <p:nvPicPr>
-          <p:cNvPr descr="C:\Users\fonta\OneDrive\Documentos\Informe-datos-FIS\Informes%20CCAA\PPT%20CCAA\Andalucía_files/figure-pptx/unnamed-chunk-12-1.svg" id="0" name="Picture 1"/>
+          <p:cNvPr descr="C:\Users\fonta\OneDrive\DOCUME~1\INFORM~1\INFORM~1\PPTCCA~1\ANDALU~1/figure-pptx/unnamed-chunk-12-1.svg" id="0" name="Picture 1"/>
           <p:cNvPicPr>
             <a:picLocks noGrp="1" noChangeAspect="1"/>
           </p:cNvPicPr>
@@ -4024,7 +4024,7 @@
       </p:sp>
       <p:pic>
         <p:nvPicPr>
-          <p:cNvPr descr="C:\Users\fonta\OneDrive\Documentos\Informe-datos-FIS\Informes%20CCAA\PPT%20CCAA\Andalucía_files/figure-pptx/unnamed-chunk-13-1.svg" id="0" name="Picture 1"/>
+          <p:cNvPr descr="C:\Users\fonta\OneDrive\DOCUME~1\INFORM~1\INFORM~1\PPTCCA~1\ANDALU~1/figure-pptx/unnamed-chunk-13-1.svg" id="0" name="Picture 1"/>
           <p:cNvPicPr>
             <a:picLocks noGrp="1" noChangeAspect="1"/>
           </p:cNvPicPr>
@@ -4101,7 +4101,7 @@
       </p:sp>
       <p:pic>
         <p:nvPicPr>
-          <p:cNvPr descr="C:\Users\fonta\OneDrive\Documentos\Informe-datos-FIS\Informes%20CCAA\PPT%20CCAA\Andalucía_files/figure-pptx/unnamed-chunk-14-1.svg" id="0" name="Picture 1"/>
+          <p:cNvPr descr="C:\Users\fonta\OneDrive\DOCUME~1\INFORM~1\INFORM~1\PPTCCA~1\ANDALU~1/figure-pptx/unnamed-chunk-14-1.svg" id="0" name="Picture 1"/>
           <p:cNvPicPr>
             <a:picLocks noGrp="1" noChangeAspect="1"/>
           </p:cNvPicPr>
@@ -4230,7 +4230,7 @@
       </p:sp>
       <p:pic>
         <p:nvPicPr>
-          <p:cNvPr descr="C:\Users\fonta\OneDrive\Documentos\Informe-datos-FIS\Informes%20CCAA\PPT%20CCAA\Andalucía_files/figure-pptx/unnamed-chunk-15-1.svg" id="0" name="Picture 1"/>
+          <p:cNvPr descr="C:\Users\fonta\OneDrive\DOCUME~1\INFORM~1\INFORM~1\PPTCCA~1\ANDALU~1/figure-pptx/unnamed-chunk-15-1.svg" id="0" name="Picture 1"/>
           <p:cNvPicPr>
             <a:picLocks noGrp="1" noChangeAspect="1"/>
           </p:cNvPicPr>
@@ -4307,7 +4307,7 @@
       </p:sp>
       <p:pic>
         <p:nvPicPr>
-          <p:cNvPr descr="C:\Users\fonta\OneDrive\Documentos\Informe-datos-FIS\Informes%20CCAA\PPT%20CCAA\Andalucía_files/figure-pptx/unnamed-chunk-16-1.svg" id="0" name="Picture 1"/>
+          <p:cNvPr descr="C:\Users\fonta\OneDrive\DOCUME~1\INFORM~1\INFORM~1\PPTCCA~1\ANDALU~1/figure-pptx/unnamed-chunk-16-1.svg" id="0" name="Picture 1"/>
           <p:cNvPicPr>
             <a:picLocks noGrp="1" noChangeAspect="1"/>
           </p:cNvPicPr>
@@ -4384,7 +4384,7 @@
       </p:sp>
       <p:pic>
         <p:nvPicPr>
-          <p:cNvPr descr="C:\Users\fonta\OneDrive\Documentos\Informe-datos-FIS\Informes%20CCAA\PPT%20CCAA\Andalucía_files/figure-pptx/unnamed-chunk-1-1.svg" id="0" name="Picture 1"/>
+          <p:cNvPr descr="C:\Users\fonta\OneDrive\DOCUME~1\INFORM~1\INFORM~1\PPTCCA~1\ANDALU~1/figure-pptx/unnamed-chunk-1-1.svg" id="0" name="Picture 1"/>
           <p:cNvPicPr>
             <a:picLocks noGrp="1" noChangeAspect="1"/>
           </p:cNvPicPr>
@@ -4461,7 +4461,7 @@
       </p:sp>
       <p:pic>
         <p:nvPicPr>
-          <p:cNvPr descr="C:\Users\fonta\OneDrive\Documentos\Informe-datos-FIS\Informes%20CCAA\PPT%20CCAA\Andalucía_files/figure-pptx/unnamed-chunk-2-1.svg" id="0" name="Picture 1"/>
+          <p:cNvPr descr="C:\Users\fonta\OneDrive\DOCUME~1\INFORM~1\INFORM~1\PPTCCA~1\ANDALU~1/figure-pptx/unnamed-chunk-2-1.svg" id="0" name="Picture 1"/>
           <p:cNvPicPr>
             <a:picLocks noGrp="1" noChangeAspect="1"/>
           </p:cNvPicPr>
@@ -4590,7 +4590,7 @@
       </p:sp>
       <p:pic>
         <p:nvPicPr>
-          <p:cNvPr descr="C:\Users\fonta\OneDrive\Documentos\Informe-datos-FIS\Informes%20CCAA\PPT%20CCAA\Andalucía_files/figure-pptx/unnamed-chunk-3-1.svg" id="0" name="Picture 1"/>
+          <p:cNvPr descr="C:\Users\fonta\OneDrive\DOCUME~1\INFORM~1\INFORM~1\PPTCCA~1\ANDALU~1/figure-pptx/unnamed-chunk-3-1.svg" id="0" name="Picture 1"/>
           <p:cNvPicPr>
             <a:picLocks noGrp="1" noChangeAspect="1"/>
           </p:cNvPicPr>
@@ -4667,7 +4667,7 @@
       </p:sp>
       <p:pic>
         <p:nvPicPr>
-          <p:cNvPr descr="C:\Users\fonta\OneDrive\Documentos\Informe-datos-FIS\Informes%20CCAA\PPT%20CCAA\Andalucía_files/figure-pptx/unnamed-chunk-4-1.svg" id="0" name="Picture 1"/>
+          <p:cNvPr descr="C:\Users\fonta\OneDrive\DOCUME~1\INFORM~1\INFORM~1\PPTCCA~1\ANDALU~1/figure-pptx/unnamed-chunk-4-1.svg" id="0" name="Picture 1"/>
           <p:cNvPicPr>
             <a:picLocks noGrp="1" noChangeAspect="1"/>
           </p:cNvPicPr>
@@ -4796,7 +4796,7 @@
       </p:sp>
       <p:pic>
         <p:nvPicPr>
-          <p:cNvPr descr="C:\Users\fonta\OneDrive\Documentos\Informe-datos-FIS\Informes%20CCAA\PPT%20CCAA\Andalucía_files/figure-pptx/unnamed-chunk-5-1.svg" id="0" name="Picture 1"/>
+          <p:cNvPr descr="C:\Users\fonta\OneDrive\DOCUME~1\INFORM~1\INFORM~1\PPTCCA~1\ANDALU~1/figure-pptx/unnamed-chunk-5-1.svg" id="0" name="Picture 1"/>
           <p:cNvPicPr>
             <a:picLocks noGrp="1" noChangeAspect="1"/>
           </p:cNvPicPr>

--- a/Informes CCAA/PPT CCAA/Andalucía.pptx
+++ b/Informes CCAA/PPT CCAA/Andalucía.pptx
@@ -3225,7 +3225,7 @@
       </p:sp>
       <p:pic>
         <p:nvPicPr>
-          <p:cNvPr descr="C:\Users\fonta\OneDrive\DOCUME~1\INFORM~1\INFORM~1\PPTCCA~1\ANDALU~1/figure-pptx/unnamed-chunk-6-1.svg" id="0" name="Picture 1"/>
+          <p:cNvPr descr="C:\Users\fonta\OneDrive\Documentos\Informe-datos-FIS\Informes%20CCAA\PPT%20CCAA\Andalucía_files/figure-pptx/unnamed-chunk-6-1.svg" id="0" name="Picture 1"/>
           <p:cNvPicPr>
             <a:picLocks noGrp="1" noChangeAspect="1"/>
           </p:cNvPicPr>
@@ -3354,7 +3354,7 @@
       </p:sp>
       <p:pic>
         <p:nvPicPr>
-          <p:cNvPr descr="C:\Users\fonta\OneDrive\DOCUME~1\INFORM~1\INFORM~1\PPTCCA~1\ANDALU~1/figure-pptx/unnamed-chunk-7-1.svg" id="0" name="Picture 1"/>
+          <p:cNvPr descr="C:\Users\fonta\OneDrive\Documentos\Informe-datos-FIS\Informes%20CCAA\PPT%20CCAA\Andalucía_files/figure-pptx/unnamed-chunk-7-1.svg" id="0" name="Picture 1"/>
           <p:cNvPicPr>
             <a:picLocks noGrp="1" noChangeAspect="1"/>
           </p:cNvPicPr>
@@ -3431,7 +3431,7 @@
       </p:sp>
       <p:pic>
         <p:nvPicPr>
-          <p:cNvPr descr="C:\Users\fonta\OneDrive\DOCUME~1\INFORM~1\INFORM~1\PPTCCA~1\ANDALU~1/figure-pptx/unnamed-chunk-8-1.svg" id="0" name="Picture 1"/>
+          <p:cNvPr descr="C:\Users\fonta\OneDrive\Documentos\Informe-datos-FIS\Informes%20CCAA\PPT%20CCAA\Andalucía_files/figure-pptx/unnamed-chunk-8-1.svg" id="0" name="Picture 1"/>
           <p:cNvPicPr>
             <a:picLocks noGrp="1" noChangeAspect="1"/>
           </p:cNvPicPr>
@@ -3560,7 +3560,7 @@
       </p:sp>
       <p:pic>
         <p:nvPicPr>
-          <p:cNvPr descr="C:\Users\fonta\OneDrive\DOCUME~1\INFORM~1\INFORM~1\PPTCCA~1\ANDALU~1/figure-pptx/unnamed-chunk-9-1.svg" id="0" name="Picture 1"/>
+          <p:cNvPr descr="C:\Users\fonta\OneDrive\Documentos\Informe-datos-FIS\Informes%20CCAA\PPT%20CCAA\Andalucía_files/figure-pptx/unnamed-chunk-9-1.svg" id="0" name="Picture 1"/>
           <p:cNvPicPr>
             <a:picLocks noGrp="1" noChangeAspect="1"/>
           </p:cNvPicPr>
@@ -3637,7 +3637,7 @@
       </p:sp>
       <p:pic>
         <p:nvPicPr>
-          <p:cNvPr descr="C:\Users\fonta\OneDrive\DOCUME~1\INFORM~1\INFORM~1\PPTCCA~1\ANDALU~1/figure-pptx/unnamed-chunk-10-1.svg" id="0" name="Picture 1"/>
+          <p:cNvPr descr="C:\Users\fonta\OneDrive\Documentos\Informe-datos-FIS\Informes%20CCAA\PPT%20CCAA\Andalucía_files/figure-pptx/unnamed-chunk-10-1.svg" id="0" name="Picture 1"/>
           <p:cNvPicPr>
             <a:picLocks noGrp="1" noChangeAspect="1"/>
           </p:cNvPicPr>
@@ -3766,7 +3766,7 @@
       </p:sp>
       <p:pic>
         <p:nvPicPr>
-          <p:cNvPr descr="C:\Users\fonta\OneDrive\DOCUME~1\INFORM~1\INFORM~1\PPTCCA~1\ANDALU~1/figure-pptx/unnamed-chunk-11-1.svg" id="0" name="Picture 1"/>
+          <p:cNvPr descr="C:\Users\fonta\OneDrive\Documentos\Informe-datos-FIS\Informes%20CCAA\PPT%20CCAA\Andalucía_files/figure-pptx/unnamed-chunk-11-1.svg" id="0" name="Picture 1"/>
           <p:cNvPicPr>
             <a:picLocks noGrp="1" noChangeAspect="1"/>
           </p:cNvPicPr>
@@ -3843,7 +3843,7 @@
       </p:sp>
       <p:pic>
         <p:nvPicPr>
-          <p:cNvPr descr="C:\Users\fonta\OneDrive\DOCUME~1\INFORM~1\INFORM~1\PPTCCA~1\ANDALU~1/figure-pptx/unnamed-chunk-12-1.svg" id="0" name="Picture 1"/>
+          <p:cNvPr descr="C:\Users\fonta\OneDrive\Documentos\Informe-datos-FIS\Informes%20CCAA\PPT%20CCAA\Andalucía_files/figure-pptx/unnamed-chunk-12-1.svg" id="0" name="Picture 1"/>
           <p:cNvPicPr>
             <a:picLocks noGrp="1" noChangeAspect="1"/>
           </p:cNvPicPr>
@@ -4024,7 +4024,7 @@
       </p:sp>
       <p:pic>
         <p:nvPicPr>
-          <p:cNvPr descr="C:\Users\fonta\OneDrive\DOCUME~1\INFORM~1\INFORM~1\PPTCCA~1\ANDALU~1/figure-pptx/unnamed-chunk-13-1.svg" id="0" name="Picture 1"/>
+          <p:cNvPr descr="C:\Users\fonta\OneDrive\Documentos\Informe-datos-FIS\Informes%20CCAA\PPT%20CCAA\Andalucía_files/figure-pptx/unnamed-chunk-13-1.svg" id="0" name="Picture 1"/>
           <p:cNvPicPr>
             <a:picLocks noGrp="1" noChangeAspect="1"/>
           </p:cNvPicPr>
@@ -4101,7 +4101,7 @@
       </p:sp>
       <p:pic>
         <p:nvPicPr>
-          <p:cNvPr descr="C:\Users\fonta\OneDrive\DOCUME~1\INFORM~1\INFORM~1\PPTCCA~1\ANDALU~1/figure-pptx/unnamed-chunk-14-1.svg" id="0" name="Picture 1"/>
+          <p:cNvPr descr="C:\Users\fonta\OneDrive\Documentos\Informe-datos-FIS\Informes%20CCAA\PPT%20CCAA\Andalucía_files/figure-pptx/unnamed-chunk-14-1.svg" id="0" name="Picture 1"/>
           <p:cNvPicPr>
             <a:picLocks noGrp="1" noChangeAspect="1"/>
           </p:cNvPicPr>
@@ -4230,7 +4230,7 @@
       </p:sp>
       <p:pic>
         <p:nvPicPr>
-          <p:cNvPr descr="C:\Users\fonta\OneDrive\DOCUME~1\INFORM~1\INFORM~1\PPTCCA~1\ANDALU~1/figure-pptx/unnamed-chunk-15-1.svg" id="0" name="Picture 1"/>
+          <p:cNvPr descr="C:\Users\fonta\OneDrive\Documentos\Informe-datos-FIS\Informes%20CCAA\PPT%20CCAA\Andalucía_files/figure-pptx/unnamed-chunk-15-1.svg" id="0" name="Picture 1"/>
           <p:cNvPicPr>
             <a:picLocks noGrp="1" noChangeAspect="1"/>
           </p:cNvPicPr>
@@ -4307,7 +4307,7 @@
       </p:sp>
       <p:pic>
         <p:nvPicPr>
-          <p:cNvPr descr="C:\Users\fonta\OneDrive\DOCUME~1\INFORM~1\INFORM~1\PPTCCA~1\ANDALU~1/figure-pptx/unnamed-chunk-16-1.svg" id="0" name="Picture 1"/>
+          <p:cNvPr descr="C:\Users\fonta\OneDrive\Documentos\Informe-datos-FIS\Informes%20CCAA\PPT%20CCAA\Andalucía_files/figure-pptx/unnamed-chunk-16-1.svg" id="0" name="Picture 1"/>
           <p:cNvPicPr>
             <a:picLocks noGrp="1" noChangeAspect="1"/>
           </p:cNvPicPr>
@@ -4384,7 +4384,7 @@
       </p:sp>
       <p:pic>
         <p:nvPicPr>
-          <p:cNvPr descr="C:\Users\fonta\OneDrive\DOCUME~1\INFORM~1\INFORM~1\PPTCCA~1\ANDALU~1/figure-pptx/unnamed-chunk-1-1.svg" id="0" name="Picture 1"/>
+          <p:cNvPr descr="C:\Users\fonta\OneDrive\Documentos\Informe-datos-FIS\Informes%20CCAA\PPT%20CCAA\Andalucía_files/figure-pptx/unnamed-chunk-1-1.svg" id="0" name="Picture 1"/>
           <p:cNvPicPr>
             <a:picLocks noGrp="1" noChangeAspect="1"/>
           </p:cNvPicPr>
@@ -4461,7 +4461,7 @@
       </p:sp>
       <p:pic>
         <p:nvPicPr>
-          <p:cNvPr descr="C:\Users\fonta\OneDrive\DOCUME~1\INFORM~1\INFORM~1\PPTCCA~1\ANDALU~1/figure-pptx/unnamed-chunk-2-1.svg" id="0" name="Picture 1"/>
+          <p:cNvPr descr="C:\Users\fonta\OneDrive\Documentos\Informe-datos-FIS\Informes%20CCAA\PPT%20CCAA\Andalucía_files/figure-pptx/unnamed-chunk-2-1.svg" id="0" name="Picture 1"/>
           <p:cNvPicPr>
             <a:picLocks noGrp="1" noChangeAspect="1"/>
           </p:cNvPicPr>
@@ -4590,7 +4590,7 @@
       </p:sp>
       <p:pic>
         <p:nvPicPr>
-          <p:cNvPr descr="C:\Users\fonta\OneDrive\DOCUME~1\INFORM~1\INFORM~1\PPTCCA~1\ANDALU~1/figure-pptx/unnamed-chunk-3-1.svg" id="0" name="Picture 1"/>
+          <p:cNvPr descr="C:\Users\fonta\OneDrive\Documentos\Informe-datos-FIS\Informes%20CCAA\PPT%20CCAA\Andalucía_files/figure-pptx/unnamed-chunk-3-1.svg" id="0" name="Picture 1"/>
           <p:cNvPicPr>
             <a:picLocks noGrp="1" noChangeAspect="1"/>
           </p:cNvPicPr>
@@ -4667,7 +4667,7 @@
       </p:sp>
       <p:pic>
         <p:nvPicPr>
-          <p:cNvPr descr="C:\Users\fonta\OneDrive\DOCUME~1\INFORM~1\INFORM~1\PPTCCA~1\ANDALU~1/figure-pptx/unnamed-chunk-4-1.svg" id="0" name="Picture 1"/>
+          <p:cNvPr descr="C:\Users\fonta\OneDrive\Documentos\Informe-datos-FIS\Informes%20CCAA\PPT%20CCAA\Andalucía_files/figure-pptx/unnamed-chunk-4-1.svg" id="0" name="Picture 1"/>
           <p:cNvPicPr>
             <a:picLocks noGrp="1" noChangeAspect="1"/>
           </p:cNvPicPr>
@@ -4796,7 +4796,7 @@
       </p:sp>
       <p:pic>
         <p:nvPicPr>
-          <p:cNvPr descr="C:\Users\fonta\OneDrive\DOCUME~1\INFORM~1\INFORM~1\PPTCCA~1\ANDALU~1/figure-pptx/unnamed-chunk-5-1.svg" id="0" name="Picture 1"/>
+          <p:cNvPr descr="C:\Users\fonta\OneDrive\Documentos\Informe-datos-FIS\Informes%20CCAA\PPT%20CCAA\Andalucía_files/figure-pptx/unnamed-chunk-5-1.svg" id="0" name="Picture 1"/>
           <p:cNvPicPr>
             <a:picLocks noGrp="1" noChangeAspect="1"/>
           </p:cNvPicPr>
